--- a/m10/ppt/Презентация.pptx
+++ b/m10/ppt/Презентация.pptx
@@ -21628,7 +21628,7 @@
 </file>
 
 <file path=ppt/slides/slide3.xml><?xml version="1.0" encoding="utf-8"?>
-<p:sld xmlns:a="http://schemas.openxmlformats.org/drawingml/2006/main" xmlns:r="http://schemas.openxmlformats.org/officeDocument/2006/relationships" xmlns:p="http://schemas.openxmlformats.org/presentationml/2006/main">
+<p:sld xmlns:a="http://schemas.openxmlformats.org/drawingml/2006/main" xmlns:r="http://schemas.openxmlformats.org/officeDocument/2006/relationships" xmlns:p="http://schemas.openxmlformats.org/presentationml/2006/main" showMasterSp="0">
   <p:cSld>
     <p:spTree>
       <p:nvGrpSpPr>
@@ -21771,7 +21771,7 @@
 </file>
 
 <file path=ppt/slides/slide4.xml><?xml version="1.0" encoding="utf-8"?>
-<p:sld xmlns:a="http://schemas.openxmlformats.org/drawingml/2006/main" xmlns:r="http://schemas.openxmlformats.org/officeDocument/2006/relationships" xmlns:p="http://schemas.openxmlformats.org/presentationml/2006/main">
+<p:sld xmlns:a="http://schemas.openxmlformats.org/drawingml/2006/main" xmlns:r="http://schemas.openxmlformats.org/officeDocument/2006/relationships" xmlns:p="http://schemas.openxmlformats.org/presentationml/2006/main" showMasterSp="0">
   <p:cSld>
     <p:spTree>
       <p:nvGrpSpPr>
@@ -21911,7 +21911,7 @@
 </file>
 
 <file path=ppt/slides/slide5.xml><?xml version="1.0" encoding="utf-8"?>
-<p:sld xmlns:a="http://schemas.openxmlformats.org/drawingml/2006/main" xmlns:r="http://schemas.openxmlformats.org/officeDocument/2006/relationships" xmlns:p="http://schemas.openxmlformats.org/presentationml/2006/main">
+<p:sld xmlns:a="http://schemas.openxmlformats.org/drawingml/2006/main" xmlns:r="http://schemas.openxmlformats.org/officeDocument/2006/relationships" xmlns:p="http://schemas.openxmlformats.org/presentationml/2006/main" showMasterSp="0">
   <p:cSld>
     <p:spTree>
       <p:nvGrpSpPr>
